--- a/Peer Review.pptx
+++ b/Peer Review.pptx
@@ -268,7 +268,7 @@
           <a:p>
             <a:fld id="{7101AC43-59F3-4FD1-81FF-6E3F82C4E0F9}" type="datetimeFigureOut">
               <a:rPr lang="de-DE" smtClean="0"/>
-              <a:t>05.06.2017</a:t>
+              <a:t>07.06.2017</a:t>
             </a:fld>
             <a:endParaRPr lang="de-DE"/>
           </a:p>
@@ -466,7 +466,7 @@
           <a:p>
             <a:fld id="{7101AC43-59F3-4FD1-81FF-6E3F82C4E0F9}" type="datetimeFigureOut">
               <a:rPr lang="de-DE" smtClean="0"/>
-              <a:t>05.06.2017</a:t>
+              <a:t>07.06.2017</a:t>
             </a:fld>
             <a:endParaRPr lang="de-DE"/>
           </a:p>
@@ -674,7 +674,7 @@
           <a:p>
             <a:fld id="{7101AC43-59F3-4FD1-81FF-6E3F82C4E0F9}" type="datetimeFigureOut">
               <a:rPr lang="de-DE" smtClean="0"/>
-              <a:t>05.06.2017</a:t>
+              <a:t>07.06.2017</a:t>
             </a:fld>
             <a:endParaRPr lang="de-DE"/>
           </a:p>
@@ -872,7 +872,7 @@
           <a:p>
             <a:fld id="{7101AC43-59F3-4FD1-81FF-6E3F82C4E0F9}" type="datetimeFigureOut">
               <a:rPr lang="de-DE" smtClean="0"/>
-              <a:t>05.06.2017</a:t>
+              <a:t>07.06.2017</a:t>
             </a:fld>
             <a:endParaRPr lang="de-DE"/>
           </a:p>
@@ -1147,7 +1147,7 @@
           <a:p>
             <a:fld id="{7101AC43-59F3-4FD1-81FF-6E3F82C4E0F9}" type="datetimeFigureOut">
               <a:rPr lang="de-DE" smtClean="0"/>
-              <a:t>05.06.2017</a:t>
+              <a:t>07.06.2017</a:t>
             </a:fld>
             <a:endParaRPr lang="de-DE"/>
           </a:p>
@@ -1412,7 +1412,7 @@
           <a:p>
             <a:fld id="{7101AC43-59F3-4FD1-81FF-6E3F82C4E0F9}" type="datetimeFigureOut">
               <a:rPr lang="de-DE" smtClean="0"/>
-              <a:t>05.06.2017</a:t>
+              <a:t>07.06.2017</a:t>
             </a:fld>
             <a:endParaRPr lang="de-DE"/>
           </a:p>
@@ -1824,7 +1824,7 @@
           <a:p>
             <a:fld id="{7101AC43-59F3-4FD1-81FF-6E3F82C4E0F9}" type="datetimeFigureOut">
               <a:rPr lang="de-DE" smtClean="0"/>
-              <a:t>05.06.2017</a:t>
+              <a:t>07.06.2017</a:t>
             </a:fld>
             <a:endParaRPr lang="de-DE"/>
           </a:p>
@@ -1965,7 +1965,7 @@
           <a:p>
             <a:fld id="{7101AC43-59F3-4FD1-81FF-6E3F82C4E0F9}" type="datetimeFigureOut">
               <a:rPr lang="de-DE" smtClean="0"/>
-              <a:t>05.06.2017</a:t>
+              <a:t>07.06.2017</a:t>
             </a:fld>
             <a:endParaRPr lang="de-DE"/>
           </a:p>
@@ -2078,7 +2078,7 @@
           <a:p>
             <a:fld id="{7101AC43-59F3-4FD1-81FF-6E3F82C4E0F9}" type="datetimeFigureOut">
               <a:rPr lang="de-DE" smtClean="0"/>
-              <a:t>05.06.2017</a:t>
+              <a:t>07.06.2017</a:t>
             </a:fld>
             <a:endParaRPr lang="de-DE"/>
           </a:p>
@@ -2389,7 +2389,7 @@
           <a:p>
             <a:fld id="{7101AC43-59F3-4FD1-81FF-6E3F82C4E0F9}" type="datetimeFigureOut">
               <a:rPr lang="de-DE" smtClean="0"/>
-              <a:t>05.06.2017</a:t>
+              <a:t>07.06.2017</a:t>
             </a:fld>
             <a:endParaRPr lang="de-DE"/>
           </a:p>
@@ -2677,7 +2677,7 @@
           <a:p>
             <a:fld id="{7101AC43-59F3-4FD1-81FF-6E3F82C4E0F9}" type="datetimeFigureOut">
               <a:rPr lang="de-DE" smtClean="0"/>
-              <a:t>05.06.2017</a:t>
+              <a:t>07.06.2017</a:t>
             </a:fld>
             <a:endParaRPr lang="de-DE"/>
           </a:p>
@@ -2918,7 +2918,7 @@
           <a:p>
             <a:fld id="{7101AC43-59F3-4FD1-81FF-6E3F82C4E0F9}" type="datetimeFigureOut">
               <a:rPr lang="de-DE" smtClean="0"/>
-              <a:t>05.06.2017</a:t>
+              <a:t>07.06.2017</a:t>
             </a:fld>
             <a:endParaRPr lang="de-DE"/>
           </a:p>
@@ -3560,7 +3560,7 @@
         </p:nvSpPr>
         <p:spPr>
           <a:xfrm>
-            <a:off x="200025" y="4733925"/>
+            <a:off x="4210048" y="4733925"/>
             <a:ext cx="3838575" cy="2038350"/>
           </a:xfrm>
           <a:prstGeom prst="rect">
@@ -3631,7 +3631,7 @@
         </p:nvSpPr>
         <p:spPr>
           <a:xfrm>
-            <a:off x="4210050" y="4733925"/>
+            <a:off x="219071" y="4733925"/>
             <a:ext cx="3838575" cy="2038350"/>
           </a:xfrm>
           <a:prstGeom prst="rect">
@@ -4077,7 +4077,7 @@
                                           </p:stCondLst>
                                         </p:cTn>
                                         <p:tgtEl>
-                                          <p:spTgt spid="6"/>
+                                          <p:spTgt spid="7"/>
                                         </p:tgtEl>
                                         <p:attrNameLst>
                                           <p:attrName>style.visibility</p:attrName>
@@ -4149,7 +4149,7 @@
                                           </p:stCondLst>
                                         </p:cTn>
                                         <p:tgtEl>
-                                          <p:spTgt spid="7"/>
+                                          <p:spTgt spid="6"/>
                                         </p:tgtEl>
                                         <p:attrNameLst>
                                           <p:attrName>style.visibility</p:attrName>

--- a/Peer Review.pptx
+++ b/Peer Review.pptx
@@ -7014,7 +7014,7 @@
         </p:nvSpPr>
         <p:spPr>
           <a:xfrm>
-            <a:off x="1123949" y="1951038"/>
+            <a:off x="1123949" y="895961"/>
             <a:ext cx="10029825" cy="2387600"/>
           </a:xfrm>
           <a:prstGeom prst="rect">
@@ -7050,6 +7050,54 @@
               <a:rPr lang="de-DE" sz="12400" dirty="0"/>
               <a:t>Live Demonstration</a:t>
             </a:r>
+          </a:p>
+        </p:txBody>
+      </p:sp>
+      <p:sp>
+        <p:nvSpPr>
+          <p:cNvPr id="2" name="Rechteck 1">
+            <a:extLst>
+              <a:ext uri="{FF2B5EF4-FFF2-40B4-BE49-F238E27FC236}">
+                <a16:creationId xmlns:a16="http://schemas.microsoft.com/office/drawing/2014/main" id="{AF810D1D-8AB9-4887-A3B1-BCFA7EEE41ED}"/>
+              </a:ext>
+            </a:extLst>
+          </p:cNvPr>
+          <p:cNvSpPr/>
+          <p:nvPr/>
+        </p:nvSpPr>
+        <p:spPr>
+          <a:xfrm>
+            <a:off x="1222131" y="5442411"/>
+            <a:ext cx="10040815" cy="707886"/>
+          </a:xfrm>
+          <a:prstGeom prst="rect">
+            <a:avLst/>
+          </a:prstGeom>
+        </p:spPr>
+        <p:txBody>
+          <a:bodyPr wrap="square">
+            <a:spAutoFit/>
+          </a:bodyPr>
+          <a:lstStyle/>
+          <a:p>
+            <a:pPr algn="ctr">
+              <a:spcAft>
+                <a:spcPts val="0"/>
+              </a:spcAft>
+            </a:pPr>
+            <a:r>
+              <a:rPr lang="en-US" sz="4000" dirty="0">
+                <a:latin typeface="Calibri" panose="020F0502020204030204" pitchFamily="34" charset="0"/>
+                <a:ea typeface="Calibri" panose="020F0502020204030204" pitchFamily="34" charset="0"/>
+                <a:cs typeface="Times New Roman" panose="02020603050405020304" pitchFamily="18" charset="0"/>
+              </a:rPr>
+              <a:t>How can Code Review be documented in Jira?</a:t>
+            </a:r>
+            <a:endParaRPr lang="de-DE" sz="4000" dirty="0">
+              <a:latin typeface="Calibri" panose="020F0502020204030204" pitchFamily="34" charset="0"/>
+              <a:ea typeface="Calibri" panose="020F0502020204030204" pitchFamily="34" charset="0"/>
+              <a:cs typeface="Times New Roman" panose="02020603050405020304" pitchFamily="18" charset="0"/>
+            </a:endParaRPr>
           </a:p>
         </p:txBody>
       </p:sp>

--- a/Peer Review.pptx
+++ b/Peer Review.pptx
@@ -3541,8 +3541,23 @@
                 </a:solidFill>
                 <a:latin typeface="+mj-lt"/>
               </a:rPr>
-              <a:t>SOFTWARE QUALITY MAMAGEMENT</a:t>
-            </a:r>
+              <a:t>SOFTWARE </a:t>
+            </a:r>
+            <a:r>
+              <a:rPr lang="de-DE" sz="4800">
+                <a:solidFill>
+                  <a:schemeClr val="tx1"/>
+                </a:solidFill>
+                <a:latin typeface="+mj-lt"/>
+              </a:rPr>
+              <a:t>QUALITY MANAGEMENT</a:t>
+            </a:r>
+            <a:endParaRPr lang="de-DE" sz="4800" dirty="0">
+              <a:solidFill>
+                <a:schemeClr val="tx1"/>
+              </a:solidFill>
+              <a:latin typeface="+mj-lt"/>
+            </a:endParaRPr>
           </a:p>
         </p:txBody>
       </p:sp>
